--- a/SDPi_Supplement/sources/vol1-diagram-sdpi-r-actor.pptx
+++ b/SDPi_Supplement/sources/vol1-diagram-sdpi-r-actor.pptx
@@ -259,7 +259,7 @@
           <a:p>
             <a:fld id="{CEAB79FE-F2B8-4F38-B4B7-E17A89FC2611}" type="datetimeFigureOut">
               <a:rPr lang="en-US" smtClean="0"/>
-              <a:t>11/7/2022</a:t>
+              <a:t>2/21/2023</a:t>
             </a:fld>
             <a:endParaRPr lang="en-US"/>
           </a:p>
@@ -457,7 +457,7 @@
           <a:p>
             <a:fld id="{CEAB79FE-F2B8-4F38-B4B7-E17A89FC2611}" type="datetimeFigureOut">
               <a:rPr lang="en-US" smtClean="0"/>
-              <a:t>11/7/2022</a:t>
+              <a:t>2/21/2023</a:t>
             </a:fld>
             <a:endParaRPr lang="en-US"/>
           </a:p>
@@ -665,7 +665,7 @@
           <a:p>
             <a:fld id="{CEAB79FE-F2B8-4F38-B4B7-E17A89FC2611}" type="datetimeFigureOut">
               <a:rPr lang="en-US" smtClean="0"/>
-              <a:t>11/7/2022</a:t>
+              <a:t>2/21/2023</a:t>
             </a:fld>
             <a:endParaRPr lang="en-US"/>
           </a:p>
@@ -863,7 +863,7 @@
           <a:p>
             <a:fld id="{CEAB79FE-F2B8-4F38-B4B7-E17A89FC2611}" type="datetimeFigureOut">
               <a:rPr lang="en-US" smtClean="0"/>
-              <a:t>11/7/2022</a:t>
+              <a:t>2/21/2023</a:t>
             </a:fld>
             <a:endParaRPr lang="en-US"/>
           </a:p>
@@ -1138,7 +1138,7 @@
           <a:p>
             <a:fld id="{CEAB79FE-F2B8-4F38-B4B7-E17A89FC2611}" type="datetimeFigureOut">
               <a:rPr lang="en-US" smtClean="0"/>
-              <a:t>11/7/2022</a:t>
+              <a:t>2/21/2023</a:t>
             </a:fld>
             <a:endParaRPr lang="en-US"/>
           </a:p>
@@ -1403,7 +1403,7 @@
           <a:p>
             <a:fld id="{CEAB79FE-F2B8-4F38-B4B7-E17A89FC2611}" type="datetimeFigureOut">
               <a:rPr lang="en-US" smtClean="0"/>
-              <a:t>11/7/2022</a:t>
+              <a:t>2/21/2023</a:t>
             </a:fld>
             <a:endParaRPr lang="en-US"/>
           </a:p>
@@ -1815,7 +1815,7 @@
           <a:p>
             <a:fld id="{CEAB79FE-F2B8-4F38-B4B7-E17A89FC2611}" type="datetimeFigureOut">
               <a:rPr lang="en-US" smtClean="0"/>
-              <a:t>11/7/2022</a:t>
+              <a:t>2/21/2023</a:t>
             </a:fld>
             <a:endParaRPr lang="en-US"/>
           </a:p>
@@ -1956,7 +1956,7 @@
           <a:p>
             <a:fld id="{CEAB79FE-F2B8-4F38-B4B7-E17A89FC2611}" type="datetimeFigureOut">
               <a:rPr lang="en-US" smtClean="0"/>
-              <a:t>11/7/2022</a:t>
+              <a:t>2/21/2023</a:t>
             </a:fld>
             <a:endParaRPr lang="en-US"/>
           </a:p>
@@ -2069,7 +2069,7 @@
           <a:p>
             <a:fld id="{CEAB79FE-F2B8-4F38-B4B7-E17A89FC2611}" type="datetimeFigureOut">
               <a:rPr lang="en-US" smtClean="0"/>
-              <a:t>11/7/2022</a:t>
+              <a:t>2/21/2023</a:t>
             </a:fld>
             <a:endParaRPr lang="en-US"/>
           </a:p>
@@ -2380,7 +2380,7 @@
           <a:p>
             <a:fld id="{CEAB79FE-F2B8-4F38-B4B7-E17A89FC2611}" type="datetimeFigureOut">
               <a:rPr lang="en-US" smtClean="0"/>
-              <a:t>11/7/2022</a:t>
+              <a:t>2/21/2023</a:t>
             </a:fld>
             <a:endParaRPr lang="en-US"/>
           </a:p>
@@ -2668,7 +2668,7 @@
           <a:p>
             <a:fld id="{CEAB79FE-F2B8-4F38-B4B7-E17A89FC2611}" type="datetimeFigureOut">
               <a:rPr lang="en-US" smtClean="0"/>
-              <a:t>11/7/2022</a:t>
+              <a:t>2/21/2023</a:t>
             </a:fld>
             <a:endParaRPr lang="en-US"/>
           </a:p>
@@ -2909,7 +2909,7 @@
           <a:p>
             <a:fld id="{CEAB79FE-F2B8-4F38-B4B7-E17A89FC2611}" type="datetimeFigureOut">
               <a:rPr lang="en-US" smtClean="0"/>
-              <a:t>11/7/2022</a:t>
+              <a:t>2/21/2023</a:t>
             </a:fld>
             <a:endParaRPr lang="en-US"/>
           </a:p>
@@ -3813,7 +3813,7 @@
         </p:nvGrpSpPr>
         <p:grpSpPr>
           <a:xfrm>
-            <a:off x="8946747" y="3423574"/>
+            <a:off x="8972432" y="3423574"/>
             <a:ext cx="1668684" cy="1867685"/>
             <a:chOff x="10304711" y="3759392"/>
             <a:chExt cx="1668684" cy="1867685"/>
@@ -4036,8 +4036,8 @@
         </p:nvSpPr>
         <p:spPr>
           <a:xfrm>
-            <a:off x="8184245" y="3829303"/>
-            <a:ext cx="762501" cy="307777"/>
+            <a:off x="8153400" y="3639234"/>
+            <a:ext cx="896087" cy="523220"/>
           </a:xfrm>
           <a:prstGeom prst="rect">
             <a:avLst/>
@@ -4053,44 +4053,7 @@
             <a:pPr algn="ctr"/>
             <a:r>
               <a:rPr lang="en-US" sz="1400" b="1" dirty="0"/>
-              <a:t>DEV-01</a:t>
-            </a:r>
-            <a:endParaRPr lang="en-US" sz="1600" b="1" dirty="0"/>
-          </a:p>
-        </p:txBody>
-      </p:sp>
-      <p:sp>
-        <p:nvSpPr>
-          <p:cNvPr id="54" name="TextBox 53">
-            <a:extLst>
-              <a:ext uri="{FF2B5EF4-FFF2-40B4-BE49-F238E27FC236}">
-                <a16:creationId xmlns:a16="http://schemas.microsoft.com/office/drawing/2014/main" id="{601471B6-8E72-4757-BCA4-7136B4D1C0A9}"/>
-              </a:ext>
-            </a:extLst>
-          </p:cNvPr>
-          <p:cNvSpPr txBox="1"/>
-          <p:nvPr/>
-        </p:nvSpPr>
-        <p:spPr>
-          <a:xfrm>
-            <a:off x="8184245" y="4580161"/>
-            <a:ext cx="762502" cy="307777"/>
-          </a:xfrm>
-          <a:prstGeom prst="rect">
-            <a:avLst/>
-          </a:prstGeom>
-          <a:noFill/>
-        </p:spPr>
-        <p:txBody>
-          <a:bodyPr wrap="square" rtlCol="0">
-            <a:spAutoFit/>
-          </a:bodyPr>
-          <a:lstStyle/>
-          <a:p>
-            <a:pPr algn="ctr"/>
-            <a:r>
-              <a:rPr lang="en-US" sz="1400" b="1" dirty="0"/>
-              <a:t>DEV-01</a:t>
+              <a:t>DEV-01 (PCD-01)</a:t>
             </a:r>
             <a:endParaRPr lang="en-US" sz="1600" b="1" dirty="0"/>
           </a:p>
@@ -4454,7 +4417,7 @@
         </p:nvSpPr>
         <p:spPr>
           <a:xfrm>
-            <a:off x="8846267" y="1338444"/>
+            <a:off x="8871952" y="1338444"/>
             <a:ext cx="1668683" cy="1281649"/>
           </a:xfrm>
           <a:prstGeom prst="rect">
@@ -4987,6 +4950,43 @@
           </a:fontRef>
         </p:style>
       </p:cxnSp>
+      <p:sp>
+        <p:nvSpPr>
+          <p:cNvPr id="2" name="TextBox 1">
+            <a:extLst>
+              <a:ext uri="{FF2B5EF4-FFF2-40B4-BE49-F238E27FC236}">
+                <a16:creationId xmlns:a16="http://schemas.microsoft.com/office/drawing/2014/main" id="{C58E578C-1A23-4E5E-E3D1-576AF436D8BE}"/>
+              </a:ext>
+            </a:extLst>
+          </p:cNvPr>
+          <p:cNvSpPr txBox="1"/>
+          <p:nvPr/>
+        </p:nvSpPr>
+        <p:spPr>
+          <a:xfrm>
+            <a:off x="8153400" y="4532119"/>
+            <a:ext cx="896087" cy="523220"/>
+          </a:xfrm>
+          <a:prstGeom prst="rect">
+            <a:avLst/>
+          </a:prstGeom>
+          <a:noFill/>
+        </p:spPr>
+        <p:txBody>
+          <a:bodyPr wrap="square" rtlCol="0">
+            <a:spAutoFit/>
+          </a:bodyPr>
+          <a:lstStyle/>
+          <a:p>
+            <a:pPr algn="ctr"/>
+            <a:r>
+              <a:rPr lang="en-US" sz="1400" b="1" dirty="0"/>
+              <a:t>DEV-01 (PCD-01)</a:t>
+            </a:r>
+            <a:endParaRPr lang="en-US" sz="1600" b="1" dirty="0"/>
+          </a:p>
+        </p:txBody>
+      </p:sp>
     </p:spTree>
     <p:extLst>
       <p:ext uri="{BB962C8B-B14F-4D97-AF65-F5344CB8AC3E}">
